--- a/Thesis_Report/maxpooling.pptx
+++ b/Thesis_Report/maxpooling.pptx
@@ -6,6 +6,7 @@
   </p:sldMasterIdLst>
   <p:sldIdLst>
     <p:sldId id="256" r:id="rId2"/>
+    <p:sldId id="257" r:id="rId3"/>
   </p:sldIdLst>
   <p:sldSz cx="9144000" cy="6858000" type="screen4x3"/>
   <p:notesSz cx="6858000" cy="9144000"/>
@@ -3103,7 +3104,7 @@
         </p:nvSpPr>
         <p:spPr>
           <a:xfrm>
-            <a:off x="583476" y="1281495"/>
+            <a:off x="953465" y="1855513"/>
             <a:ext cx="1441531" cy="1430240"/>
           </a:xfrm>
           <a:prstGeom prst="rect">
@@ -3166,7 +3167,7 @@
         </p:nvSpPr>
         <p:spPr>
           <a:xfrm>
-            <a:off x="583476" y="2711735"/>
+            <a:off x="953465" y="3285753"/>
             <a:ext cx="1441531" cy="1430240"/>
           </a:xfrm>
           <a:prstGeom prst="rect">
@@ -3207,7 +3208,7 @@
         </p:nvSpPr>
         <p:spPr>
           <a:xfrm>
-            <a:off x="2025007" y="1281495"/>
+            <a:off x="2394996" y="1855513"/>
             <a:ext cx="1441531" cy="1430240"/>
           </a:xfrm>
           <a:prstGeom prst="rect">
@@ -3248,7 +3249,7 @@
         </p:nvSpPr>
         <p:spPr>
           <a:xfrm>
-            <a:off x="2025007" y="2711735"/>
+            <a:off x="2394996" y="3285753"/>
             <a:ext cx="1441531" cy="1430240"/>
           </a:xfrm>
           <a:prstGeom prst="rect">
@@ -3286,7 +3287,7 @@
         </p:nvCxnSpPr>
         <p:spPr>
           <a:xfrm>
-            <a:off x="3786880" y="2711735"/>
+            <a:off x="4156869" y="3285753"/>
             <a:ext cx="2013568" cy="0"/>
           </a:xfrm>
           <a:prstGeom prst="straightConnector1">
@@ -3319,7 +3320,7 @@
         </p:nvSpPr>
         <p:spPr>
           <a:xfrm>
-            <a:off x="697884" y="1395914"/>
+            <a:off x="1067873" y="1969932"/>
             <a:ext cx="503392" cy="461665"/>
           </a:xfrm>
           <a:prstGeom prst="rect">
@@ -3352,7 +3353,7 @@
         </p:nvCxnSpPr>
         <p:spPr>
           <a:xfrm>
-            <a:off x="2745773" y="1281495"/>
+            <a:off x="3115762" y="1855513"/>
             <a:ext cx="0" cy="2860480"/>
           </a:xfrm>
           <a:prstGeom prst="line">
@@ -3385,7 +3386,7 @@
         </p:nvCxnSpPr>
         <p:spPr>
           <a:xfrm>
-            <a:off x="1304242" y="1281495"/>
+            <a:off x="1674231" y="1855513"/>
             <a:ext cx="0" cy="2860480"/>
           </a:xfrm>
           <a:prstGeom prst="line">
@@ -3418,7 +3419,7 @@
         </p:nvCxnSpPr>
         <p:spPr>
           <a:xfrm>
-            <a:off x="583476" y="1996615"/>
+            <a:off x="953465" y="2570633"/>
             <a:ext cx="2883062" cy="0"/>
           </a:xfrm>
           <a:prstGeom prst="line">
@@ -3451,7 +3452,7 @@
         </p:nvCxnSpPr>
         <p:spPr>
           <a:xfrm>
-            <a:off x="583476" y="3426855"/>
+            <a:off x="953465" y="4000873"/>
             <a:ext cx="2883062" cy="0"/>
           </a:xfrm>
           <a:prstGeom prst="line">
@@ -3481,7 +3482,7 @@
         </p:nvSpPr>
         <p:spPr>
           <a:xfrm>
-            <a:off x="1399438" y="1395914"/>
+            <a:off x="1769427" y="1969932"/>
             <a:ext cx="503392" cy="461665"/>
           </a:xfrm>
           <a:prstGeom prst="rect">
@@ -3511,7 +3512,7 @@
         </p:nvSpPr>
         <p:spPr>
           <a:xfrm>
-            <a:off x="2131645" y="1395914"/>
+            <a:off x="2501634" y="1969932"/>
             <a:ext cx="503392" cy="461665"/>
           </a:xfrm>
           <a:prstGeom prst="rect">
@@ -3541,7 +3542,7 @@
         </p:nvSpPr>
         <p:spPr>
           <a:xfrm>
-            <a:off x="2829530" y="1395914"/>
+            <a:off x="3199519" y="1969932"/>
             <a:ext cx="637008" cy="461665"/>
           </a:xfrm>
           <a:prstGeom prst="rect">
@@ -3571,7 +3572,7 @@
         </p:nvSpPr>
         <p:spPr>
           <a:xfrm>
-            <a:off x="697884" y="2166178"/>
+            <a:off x="1067873" y="2740196"/>
             <a:ext cx="503392" cy="461665"/>
           </a:xfrm>
           <a:prstGeom prst="rect">
@@ -3601,7 +3602,7 @@
         </p:nvSpPr>
         <p:spPr>
           <a:xfrm>
-            <a:off x="1422319" y="2158724"/>
+            <a:off x="1792308" y="2732742"/>
             <a:ext cx="453958" cy="461665"/>
           </a:xfrm>
           <a:prstGeom prst="rect">
@@ -3631,7 +3632,7 @@
         </p:nvSpPr>
         <p:spPr>
           <a:xfrm>
-            <a:off x="2131645" y="2166178"/>
+            <a:off x="2501634" y="2740196"/>
             <a:ext cx="503392" cy="461665"/>
           </a:xfrm>
           <a:prstGeom prst="rect">
@@ -3661,7 +3662,7 @@
         </p:nvSpPr>
         <p:spPr>
           <a:xfrm>
-            <a:off x="2829530" y="2158724"/>
+            <a:off x="3199519" y="2732742"/>
             <a:ext cx="637008" cy="461665"/>
           </a:xfrm>
           <a:prstGeom prst="rect">
@@ -3691,7 +3692,7 @@
         </p:nvSpPr>
         <p:spPr>
           <a:xfrm>
-            <a:off x="697884" y="2864134"/>
+            <a:off x="1067873" y="3438152"/>
             <a:ext cx="503392" cy="461665"/>
           </a:xfrm>
           <a:prstGeom prst="rect">
@@ -3721,7 +3722,7 @@
         </p:nvSpPr>
         <p:spPr>
           <a:xfrm>
-            <a:off x="1399438" y="2864134"/>
+            <a:off x="1769427" y="3438152"/>
             <a:ext cx="503392" cy="461665"/>
           </a:xfrm>
           <a:prstGeom prst="rect">
@@ -3755,7 +3756,7 @@
         </p:nvSpPr>
         <p:spPr>
           <a:xfrm>
-            <a:off x="2131645" y="2864134"/>
+            <a:off x="2501634" y="3438152"/>
             <a:ext cx="503392" cy="461665"/>
           </a:xfrm>
           <a:prstGeom prst="rect">
@@ -3785,7 +3786,7 @@
         </p:nvSpPr>
         <p:spPr>
           <a:xfrm>
-            <a:off x="2829530" y="2864134"/>
+            <a:off x="3199519" y="3438152"/>
             <a:ext cx="637008" cy="461665"/>
           </a:xfrm>
           <a:prstGeom prst="rect">
@@ -3815,7 +3816,7 @@
         </p:nvSpPr>
         <p:spPr>
           <a:xfrm>
-            <a:off x="697884" y="3539208"/>
+            <a:off x="1067873" y="4113226"/>
             <a:ext cx="503392" cy="461665"/>
           </a:xfrm>
           <a:prstGeom prst="rect">
@@ -3845,7 +3846,7 @@
         </p:nvSpPr>
         <p:spPr>
           <a:xfrm>
-            <a:off x="1399438" y="3539208"/>
+            <a:off x="1769427" y="4113226"/>
             <a:ext cx="503392" cy="461665"/>
           </a:xfrm>
           <a:prstGeom prst="rect">
@@ -3875,7 +3876,7 @@
         </p:nvSpPr>
         <p:spPr>
           <a:xfrm>
-            <a:off x="2131645" y="3539208"/>
+            <a:off x="2501634" y="4113226"/>
             <a:ext cx="503392" cy="461665"/>
           </a:xfrm>
           <a:prstGeom prst="rect">
@@ -3905,7 +3906,7 @@
         </p:nvSpPr>
         <p:spPr>
           <a:xfrm>
-            <a:off x="2829530" y="3539208"/>
+            <a:off x="3199519" y="4113226"/>
             <a:ext cx="637008" cy="461665"/>
           </a:xfrm>
           <a:prstGeom prst="rect">
@@ -3935,7 +3936,7 @@
         </p:nvSpPr>
         <p:spPr>
           <a:xfrm>
-            <a:off x="6063585" y="2013778"/>
+            <a:off x="6433574" y="2587796"/>
             <a:ext cx="709325" cy="697957"/>
           </a:xfrm>
           <a:prstGeom prst="rect">
@@ -3976,7 +3977,7 @@
         </p:nvSpPr>
         <p:spPr>
           <a:xfrm>
-            <a:off x="6772910" y="2013778"/>
+            <a:off x="7142899" y="2587796"/>
             <a:ext cx="709325" cy="697957"/>
           </a:xfrm>
           <a:prstGeom prst="rect">
@@ -4017,7 +4018,7 @@
         </p:nvSpPr>
         <p:spPr>
           <a:xfrm>
-            <a:off x="6063586" y="2711735"/>
+            <a:off x="6433575" y="3285753"/>
             <a:ext cx="739978" cy="715120"/>
           </a:xfrm>
           <a:prstGeom prst="rect">
@@ -4058,7 +4059,7 @@
         </p:nvSpPr>
         <p:spPr>
           <a:xfrm>
-            <a:off x="6772910" y="2728898"/>
+            <a:off x="7142899" y="3302916"/>
             <a:ext cx="709325" cy="697957"/>
           </a:xfrm>
           <a:prstGeom prst="rect">
@@ -4096,7 +4097,7 @@
         </p:nvSpPr>
         <p:spPr>
           <a:xfrm>
-            <a:off x="6177992" y="2158724"/>
+            <a:off x="6547981" y="2732742"/>
             <a:ext cx="503392" cy="461665"/>
           </a:xfrm>
           <a:prstGeom prst="rect">
@@ -4126,7 +4127,7 @@
         </p:nvSpPr>
         <p:spPr>
           <a:xfrm>
-            <a:off x="6784351" y="2166178"/>
+            <a:off x="7154340" y="2740196"/>
             <a:ext cx="637010" cy="461665"/>
           </a:xfrm>
           <a:prstGeom prst="rect">
@@ -4156,7 +4157,7 @@
         </p:nvSpPr>
         <p:spPr>
           <a:xfrm>
-            <a:off x="6075026" y="2846710"/>
+            <a:off x="6445015" y="3420728"/>
             <a:ext cx="637010" cy="461665"/>
           </a:xfrm>
           <a:prstGeom prst="rect">
@@ -4186,7 +4187,7 @@
         </p:nvSpPr>
         <p:spPr>
           <a:xfrm>
-            <a:off x="6784351" y="2846710"/>
+            <a:off x="7154340" y="3420728"/>
             <a:ext cx="637010" cy="461665"/>
           </a:xfrm>
           <a:prstGeom prst="rect">
@@ -4216,7 +4217,7 @@
         </p:nvCxnSpPr>
         <p:spPr>
           <a:xfrm>
-            <a:off x="6772910" y="1996615"/>
+            <a:off x="7142899" y="2570633"/>
             <a:ext cx="0" cy="1430240"/>
           </a:xfrm>
           <a:prstGeom prst="line">
@@ -4246,7 +4247,7 @@
         </p:nvCxnSpPr>
         <p:spPr>
           <a:xfrm>
-            <a:off x="6063585" y="2711735"/>
+            <a:off x="6433574" y="3285753"/>
             <a:ext cx="1418650" cy="17163"/>
           </a:xfrm>
           <a:prstGeom prst="line">
@@ -4272,6 +4273,36 @@
     <p:extLst>
       <p:ext uri="{BB962C8B-B14F-4D97-AF65-F5344CB8AC3E}">
         <p14:creationId xmlns:p14="http://schemas.microsoft.com/office/powerpoint/2010/main" val="1745934288"/>
+      </p:ext>
+    </p:extLst>
+  </p:cSld>
+  <p:clrMapOvr>
+    <a:masterClrMapping/>
+  </p:clrMapOvr>
+</p:sld>
+</file>
+
+<file path=ppt/slides/slide2.xml><?xml version="1.0" encoding="utf-8"?>
+<p:sld xmlns:a="http://schemas.openxmlformats.org/drawingml/2006/main" xmlns:r="http://schemas.openxmlformats.org/officeDocument/2006/relationships" xmlns:p="http://schemas.openxmlformats.org/presentationml/2006/main">
+  <p:cSld>
+    <p:spTree>
+      <p:nvGrpSpPr>
+        <p:cNvPr id="1" name=""/>
+        <p:cNvGrpSpPr/>
+        <p:nvPr/>
+      </p:nvGrpSpPr>
+      <p:grpSpPr>
+        <a:xfrm>
+          <a:off x="0" y="0"/>
+          <a:ext cx="0" cy="0"/>
+          <a:chOff x="0" y="0"/>
+          <a:chExt cx="0" cy="0"/>
+        </a:xfrm>
+      </p:grpSpPr>
+    </p:spTree>
+    <p:extLst>
+      <p:ext uri="{BB962C8B-B14F-4D97-AF65-F5344CB8AC3E}">
+        <p14:creationId xmlns:p14="http://schemas.microsoft.com/office/powerpoint/2010/main" val="2955471224"/>
       </p:ext>
     </p:extLst>
   </p:cSld>
